--- a/diagramas uml1 (2).pptx
+++ b/diagramas uml1 (2).pptx
@@ -36,6 +36,7 @@
     <p:sldId id="283" r:id="rId30"/>
     <p:sldId id="281" r:id="rId31"/>
     <p:sldId id="282" r:id="rId32"/>
+    <p:sldId id="287" r:id="rId33"/>
   </p:sldIdLst>
   <p:sldSz cx="12192000" cy="6858000"/>
   <p:notesSz cx="6858000" cy="9144000"/>
@@ -289,7 +290,7 @@
           <a:p>
             <a:fld id="{EB993E32-8AB3-4DE5-96CB-E95A7A114169}" type="datetimeFigureOut">
               <a:rPr lang="en-US" smtClean="0"/>
-              <a:t>11/12/2019</a:t>
+              <a:t>19-Nov-19</a:t>
             </a:fld>
             <a:endParaRPr lang="en-US"/>
           </a:p>
@@ -343,7 +344,7 @@
           <a:p>
             <a:fld id="{990F4B2E-8219-484F-BA4C-33EC029B08AD}" type="slidenum">
               <a:rPr lang="en-US" smtClean="0"/>
-              <a:t>‹Nº›</a:t>
+              <a:t>‹#›</a:t>
             </a:fld>
             <a:endParaRPr lang="en-US"/>
           </a:p>
@@ -487,7 +488,7 @@
           <a:p>
             <a:fld id="{EB993E32-8AB3-4DE5-96CB-E95A7A114169}" type="datetimeFigureOut">
               <a:rPr lang="en-US" smtClean="0"/>
-              <a:t>11/12/2019</a:t>
+              <a:t>19-Nov-19</a:t>
             </a:fld>
             <a:endParaRPr lang="en-US"/>
           </a:p>
@@ -541,7 +542,7 @@
           <a:p>
             <a:fld id="{990F4B2E-8219-484F-BA4C-33EC029B08AD}" type="slidenum">
               <a:rPr lang="en-US" smtClean="0"/>
-              <a:t>‹Nº›</a:t>
+              <a:t>‹#›</a:t>
             </a:fld>
             <a:endParaRPr lang="en-US"/>
           </a:p>
@@ -695,7 +696,7 @@
           <a:p>
             <a:fld id="{EB993E32-8AB3-4DE5-96CB-E95A7A114169}" type="datetimeFigureOut">
               <a:rPr lang="en-US" smtClean="0"/>
-              <a:t>11/12/2019</a:t>
+              <a:t>19-Nov-19</a:t>
             </a:fld>
             <a:endParaRPr lang="en-US"/>
           </a:p>
@@ -749,7 +750,7 @@
           <a:p>
             <a:fld id="{990F4B2E-8219-484F-BA4C-33EC029B08AD}" type="slidenum">
               <a:rPr lang="en-US" smtClean="0"/>
-              <a:t>‹Nº›</a:t>
+              <a:t>‹#›</a:t>
             </a:fld>
             <a:endParaRPr lang="en-US"/>
           </a:p>
@@ -893,7 +894,7 @@
           <a:p>
             <a:fld id="{EB993E32-8AB3-4DE5-96CB-E95A7A114169}" type="datetimeFigureOut">
               <a:rPr lang="en-US" smtClean="0"/>
-              <a:t>11/12/2019</a:t>
+              <a:t>19-Nov-19</a:t>
             </a:fld>
             <a:endParaRPr lang="en-US"/>
           </a:p>
@@ -947,7 +948,7 @@
           <a:p>
             <a:fld id="{990F4B2E-8219-484F-BA4C-33EC029B08AD}" type="slidenum">
               <a:rPr lang="en-US" smtClean="0"/>
-              <a:t>‹Nº›</a:t>
+              <a:t>‹#›</a:t>
             </a:fld>
             <a:endParaRPr lang="en-US"/>
           </a:p>
@@ -1168,7 +1169,7 @@
           <a:p>
             <a:fld id="{EB993E32-8AB3-4DE5-96CB-E95A7A114169}" type="datetimeFigureOut">
               <a:rPr lang="en-US" smtClean="0"/>
-              <a:t>11/12/2019</a:t>
+              <a:t>19-Nov-19</a:t>
             </a:fld>
             <a:endParaRPr lang="en-US"/>
           </a:p>
@@ -1222,7 +1223,7 @@
           <a:p>
             <a:fld id="{990F4B2E-8219-484F-BA4C-33EC029B08AD}" type="slidenum">
               <a:rPr lang="en-US" smtClean="0"/>
-              <a:t>‹Nº›</a:t>
+              <a:t>‹#›</a:t>
             </a:fld>
             <a:endParaRPr lang="en-US"/>
           </a:p>
@@ -1433,7 +1434,7 @@
           <a:p>
             <a:fld id="{EB993E32-8AB3-4DE5-96CB-E95A7A114169}" type="datetimeFigureOut">
               <a:rPr lang="en-US" smtClean="0"/>
-              <a:t>11/12/2019</a:t>
+              <a:t>19-Nov-19</a:t>
             </a:fld>
             <a:endParaRPr lang="en-US"/>
           </a:p>
@@ -1487,7 +1488,7 @@
           <a:p>
             <a:fld id="{990F4B2E-8219-484F-BA4C-33EC029B08AD}" type="slidenum">
               <a:rPr lang="en-US" smtClean="0"/>
-              <a:t>‹Nº›</a:t>
+              <a:t>‹#›</a:t>
             </a:fld>
             <a:endParaRPr lang="en-US"/>
           </a:p>
@@ -1845,7 +1846,7 @@
           <a:p>
             <a:fld id="{EB993E32-8AB3-4DE5-96CB-E95A7A114169}" type="datetimeFigureOut">
               <a:rPr lang="en-US" smtClean="0"/>
-              <a:t>11/12/2019</a:t>
+              <a:t>19-Nov-19</a:t>
             </a:fld>
             <a:endParaRPr lang="en-US"/>
           </a:p>
@@ -1899,7 +1900,7 @@
           <a:p>
             <a:fld id="{990F4B2E-8219-484F-BA4C-33EC029B08AD}" type="slidenum">
               <a:rPr lang="en-US" smtClean="0"/>
-              <a:t>‹Nº›</a:t>
+              <a:t>‹#›</a:t>
             </a:fld>
             <a:endParaRPr lang="en-US"/>
           </a:p>
@@ -1986,7 +1987,7 @@
           <a:p>
             <a:fld id="{EB993E32-8AB3-4DE5-96CB-E95A7A114169}" type="datetimeFigureOut">
               <a:rPr lang="en-US" smtClean="0"/>
-              <a:t>11/12/2019</a:t>
+              <a:t>19-Nov-19</a:t>
             </a:fld>
             <a:endParaRPr lang="en-US"/>
           </a:p>
@@ -2040,7 +2041,7 @@
           <a:p>
             <a:fld id="{990F4B2E-8219-484F-BA4C-33EC029B08AD}" type="slidenum">
               <a:rPr lang="en-US" smtClean="0"/>
-              <a:t>‹Nº›</a:t>
+              <a:t>‹#›</a:t>
             </a:fld>
             <a:endParaRPr lang="en-US"/>
           </a:p>
@@ -2099,7 +2100,7 @@
           <a:p>
             <a:fld id="{EB993E32-8AB3-4DE5-96CB-E95A7A114169}" type="datetimeFigureOut">
               <a:rPr lang="en-US" smtClean="0"/>
-              <a:t>11/12/2019</a:t>
+              <a:t>19-Nov-19</a:t>
             </a:fld>
             <a:endParaRPr lang="en-US"/>
           </a:p>
@@ -2153,7 +2154,7 @@
           <a:p>
             <a:fld id="{990F4B2E-8219-484F-BA4C-33EC029B08AD}" type="slidenum">
               <a:rPr lang="en-US" smtClean="0"/>
-              <a:t>‹Nº›</a:t>
+              <a:t>‹#›</a:t>
             </a:fld>
             <a:endParaRPr lang="en-US"/>
           </a:p>
@@ -2410,7 +2411,7 @@
           <a:p>
             <a:fld id="{EB993E32-8AB3-4DE5-96CB-E95A7A114169}" type="datetimeFigureOut">
               <a:rPr lang="en-US" smtClean="0"/>
-              <a:t>11/12/2019</a:t>
+              <a:t>19-Nov-19</a:t>
             </a:fld>
             <a:endParaRPr lang="en-US"/>
           </a:p>
@@ -2464,7 +2465,7 @@
           <a:p>
             <a:fld id="{990F4B2E-8219-484F-BA4C-33EC029B08AD}" type="slidenum">
               <a:rPr lang="en-US" smtClean="0"/>
-              <a:t>‹Nº›</a:t>
+              <a:t>‹#›</a:t>
             </a:fld>
             <a:endParaRPr lang="en-US"/>
           </a:p>
@@ -2698,7 +2699,7 @@
           <a:p>
             <a:fld id="{EB993E32-8AB3-4DE5-96CB-E95A7A114169}" type="datetimeFigureOut">
               <a:rPr lang="en-US" smtClean="0"/>
-              <a:t>11/12/2019</a:t>
+              <a:t>19-Nov-19</a:t>
             </a:fld>
             <a:endParaRPr lang="en-US"/>
           </a:p>
@@ -2752,7 +2753,7 @@
           <a:p>
             <a:fld id="{990F4B2E-8219-484F-BA4C-33EC029B08AD}" type="slidenum">
               <a:rPr lang="en-US" smtClean="0"/>
-              <a:t>‹Nº›</a:t>
+              <a:t>‹#›</a:t>
             </a:fld>
             <a:endParaRPr lang="en-US"/>
           </a:p>
@@ -2939,7 +2940,7 @@
           <a:p>
             <a:fld id="{EB993E32-8AB3-4DE5-96CB-E95A7A114169}" type="datetimeFigureOut">
               <a:rPr lang="en-US" smtClean="0"/>
-              <a:t>11/12/2019</a:t>
+              <a:t>19-Nov-19</a:t>
             </a:fld>
             <a:endParaRPr lang="en-US"/>
           </a:p>
@@ -3029,7 +3030,7 @@
           <a:p>
             <a:fld id="{990F4B2E-8219-484F-BA4C-33EC029B08AD}" type="slidenum">
               <a:rPr lang="en-US" smtClean="0"/>
-              <a:t>‹Nº›</a:t>
+              <a:t>‹#›</a:t>
             </a:fld>
             <a:endParaRPr lang="en-US"/>
           </a:p>
@@ -3372,7 +3373,7 @@
                 <a16:creationId xmlns:a16="http://schemas.microsoft.com/office/drawing/2014/main" id="{559AE206-7EBA-4D33-8BC9-9D8158553F0E}"/>
               </a:ext>
               <a:ext uri="{C183D7F6-B498-43B3-948B-1728B52AA6E4}">
-                <adec:decorative xmlns:adec="http://schemas.microsoft.com/office/drawing/2017/decorative" xmlns="" val="1"/>
+                <adec:decorative xmlns:adec="http://schemas.microsoft.com/office/drawing/2017/decorative" val="1"/>
               </a:ext>
             </a:extLst>
           </p:cNvPr>
@@ -3635,7 +3636,7 @@
                 <a16:creationId xmlns:a16="http://schemas.microsoft.com/office/drawing/2014/main" id="{6437D937-A7F1-4011-92B4-328E5BE1B166}"/>
               </a:ext>
               <a:ext uri="{C183D7F6-B498-43B3-948B-1728B52AA6E4}">
-                <adec:decorative xmlns:adec="http://schemas.microsoft.com/office/drawing/2017/decorative" xmlns="" val="1"/>
+                <adec:decorative xmlns:adec="http://schemas.microsoft.com/office/drawing/2017/decorative" val="1"/>
               </a:ext>
             </a:extLst>
           </p:cNvPr>
@@ -3698,7 +3699,7 @@
                 <a16:creationId xmlns:a16="http://schemas.microsoft.com/office/drawing/2014/main" id="{B672F332-AF08-46C6-94F0-77684310D7B7}"/>
               </a:ext>
               <a:ext uri="{C183D7F6-B498-43B3-948B-1728B52AA6E4}">
-                <adec:decorative xmlns:adec="http://schemas.microsoft.com/office/drawing/2017/decorative" xmlns="" val="1"/>
+                <adec:decorative xmlns:adec="http://schemas.microsoft.com/office/drawing/2017/decorative" val="1"/>
               </a:ext>
             </a:extLst>
           </p:cNvPr>
@@ -3761,7 +3762,7 @@
                 <a16:creationId xmlns:a16="http://schemas.microsoft.com/office/drawing/2014/main" id="{34244EF8-D73A-40E1-BE73-D46E6B4B04ED}"/>
               </a:ext>
               <a:ext uri="{C183D7F6-B498-43B3-948B-1728B52AA6E4}">
-                <adec:decorative xmlns:adec="http://schemas.microsoft.com/office/drawing/2017/decorative" xmlns="" val="1"/>
+                <adec:decorative xmlns:adec="http://schemas.microsoft.com/office/drawing/2017/decorative" val="1"/>
               </a:ext>
             </a:extLst>
           </p:cNvPr>
@@ -3932,7 +3933,7 @@
                 <a16:creationId xmlns:a16="http://schemas.microsoft.com/office/drawing/2014/main" id="{9E8E38ED-369A-44C2-B635-0BED0E48A6E8}"/>
               </a:ext>
               <a:ext uri="{C183D7F6-B498-43B3-948B-1728B52AA6E4}">
-                <adec:decorative xmlns:adec="http://schemas.microsoft.com/office/drawing/2017/decorative" xmlns="" val="1"/>
+                <adec:decorative xmlns:adec="http://schemas.microsoft.com/office/drawing/2017/decorative" val="1"/>
               </a:ext>
             </a:extLst>
           </p:cNvPr>
@@ -8051,13 +8052,6 @@
   <p:clrMapOvr>
     <a:masterClrMapping/>
   </p:clrMapOvr>
-  <p:timing>
-    <p:tnLst>
-      <p:par>
-        <p:cTn id="1" dur="indefinite" restart="never" nodeType="tmRoot"/>
-      </p:par>
-    </p:tnLst>
-  </p:timing>
 </p:sld>
 </file>
 
@@ -8336,11 +8330,6 @@
               </a:rPr>
               <a:t>Los diagramas de secuencia pueden ilustrar una sucesión de interacciones entre clases o instancias de objetos a través del tiempo. </a:t>
             </a:r>
-            <a:endParaRPr lang="es-ES" sz="2800" dirty="0">
-              <a:solidFill>
-                <a:schemeClr val="tx1"/>
-              </a:solidFill>
-            </a:endParaRPr>
           </a:p>
           <a:p>
             <a:pPr algn="just"/>
@@ -8358,23 +8347,7 @@
                   <a:schemeClr val="tx1"/>
                 </a:solidFill>
               </a:rPr>
-              <a:t>actores y las </a:t>
-            </a:r>
-            <a:r>
-              <a:rPr lang="es-HN" sz="2800" u="sng" dirty="0">
-                <a:solidFill>
-                  <a:schemeClr val="tx1"/>
-                </a:solidFill>
-              </a:rPr>
-              <a:t>clases o </a:t>
-            </a:r>
-            <a:r>
-              <a:rPr lang="es-HN" sz="2800" u="sng" dirty="0">
-                <a:solidFill>
-                  <a:schemeClr val="tx1"/>
-                </a:solidFill>
-              </a:rPr>
-              <a:t>instancias </a:t>
+              <a:t>actores y las clases o instancias </a:t>
             </a:r>
             <a:r>
               <a:rPr lang="es-HN" sz="2800" dirty="0">
@@ -8398,39 +8371,7 @@
                   <a:schemeClr val="tx1"/>
                 </a:solidFill>
               </a:rPr>
-              <a:t> del diagrama. El objeto de más a la </a:t>
-            </a:r>
-            <a:r>
-              <a:rPr lang="es-HN" sz="2800" dirty="0">
-                <a:solidFill>
-                  <a:schemeClr val="tx1"/>
-                </a:solidFill>
-              </a:rPr>
-              <a:t>izquierda es </a:t>
-            </a:r>
-            <a:r>
-              <a:rPr lang="es-HN" sz="2800" dirty="0">
-                <a:solidFill>
-                  <a:schemeClr val="tx1"/>
-                </a:solidFill>
-              </a:rPr>
-              <a:t>el objeto inicial y puede ser una persona (para la cual se utiliza un símbolo de actor de caso de uso</a:t>
-            </a:r>
-            <a:r>
-              <a:rPr lang="es-HN" sz="2800" dirty="0">
-                <a:solidFill>
-                  <a:schemeClr val="tx1"/>
-                </a:solidFill>
-              </a:rPr>
-              <a:t>), ventana</a:t>
-            </a:r>
-            <a:r>
-              <a:rPr lang="es-HN" sz="2800" dirty="0">
-                <a:solidFill>
-                  <a:schemeClr val="tx1"/>
-                </a:solidFill>
-              </a:rPr>
-              <a:t>, cuadro de diálogo u otra interfaz de usuario.</a:t>
+              <a:t> del diagrama. El objeto de más a la izquierda es el objeto inicial y puede ser una persona (para la cual se utiliza un símbolo de actor de caso de uso), ventana, cuadro de diálogo u otra interfaz de usuario.</a:t>
             </a:r>
           </a:p>
         </p:txBody>
@@ -8481,13 +8422,6 @@
   <p:clrMapOvr>
     <a:masterClrMapping/>
   </p:clrMapOvr>
-  <p:timing>
-    <p:tnLst>
-      <p:par>
-        <p:cTn id="1" dur="indefinite" restart="never" nodeType="tmRoot"/>
-      </p:par>
-    </p:tnLst>
-  </p:timing>
 </p:sld>
 </file>
 
@@ -8796,31 +8730,26 @@
                   <a:schemeClr val="tx1"/>
                 </a:solidFill>
               </a:rPr>
-              <a:t>de la clase u objeto, que corresponde al tiempo a partir del que se </a:t>
-            </a:r>
-            <a:r>
-              <a:rPr lang="es-HN" sz="2800" dirty="0" smtClean="0">
-                <a:solidFill>
-                  <a:schemeClr val="tx1"/>
-                </a:solidFill>
-              </a:rPr>
-              <a:t>creó hasta </a:t>
-            </a:r>
+              <a:t>de la clase u objeto, que corresponde al tiempo a partir del que se creó hasta el momento en que se destruye. Una X en la parte inferior de la línea de vida representa el momento en que se destruye el objeto. </a:t>
+            </a:r>
+          </a:p>
+          <a:p>
+            <a:pPr algn="just"/>
             <a:r>
               <a:rPr lang="es-HN" sz="2800" dirty="0">
                 <a:solidFill>
                   <a:schemeClr val="tx1"/>
                 </a:solidFill>
               </a:rPr>
-              <a:t>el momento en que se destruye. Una X en la parte inferior de la línea de vida representa el momento en </a:t>
-            </a:r>
-            <a:r>
-              <a:rPr lang="es-HN" sz="2800" dirty="0" smtClean="0">
-                <a:solidFill>
-                  <a:schemeClr val="tx1"/>
-                </a:solidFill>
-              </a:rPr>
-              <a:t>que se </a:t>
+              <a:t>Una barra lateral o un rectángulo vertical en la línea de vida muestran el </a:t>
+            </a:r>
+            <a:r>
+              <a:rPr lang="es-HN" sz="2800" b="1" dirty="0">
+                <a:solidFill>
+                  <a:schemeClr val="tx1"/>
+                </a:solidFill>
+              </a:rPr>
+              <a:t>foco de control </a:t>
             </a:r>
             <a:r>
               <a:rPr lang="es-HN" sz="2800" dirty="0">
@@ -8828,69 +8757,8 @@
                   <a:schemeClr val="tx1"/>
                 </a:solidFill>
               </a:rPr>
-              <a:t>destruye el objeto. </a:t>
-            </a:r>
-            <a:endParaRPr lang="es-HN" sz="2800" dirty="0" smtClean="0">
-              <a:solidFill>
-                <a:schemeClr val="tx1"/>
-              </a:solidFill>
-            </a:endParaRPr>
-          </a:p>
-          <a:p>
-            <a:pPr algn="just"/>
-            <a:r>
-              <a:rPr lang="es-HN" sz="2800" dirty="0" smtClean="0">
-                <a:solidFill>
-                  <a:schemeClr val="tx1"/>
-                </a:solidFill>
-              </a:rPr>
-              <a:t>Una </a:t>
-            </a:r>
-            <a:r>
-              <a:rPr lang="es-HN" sz="2800" dirty="0">
-                <a:solidFill>
-                  <a:schemeClr val="tx1"/>
-                </a:solidFill>
-              </a:rPr>
-              <a:t>barra lateral o un rectángulo vertical en la línea de vida muestran el </a:t>
-            </a:r>
-            <a:r>
-              <a:rPr lang="es-HN" sz="2800" b="1" dirty="0">
-                <a:solidFill>
-                  <a:schemeClr val="tx1"/>
-                </a:solidFill>
-              </a:rPr>
-              <a:t>foco de </a:t>
-            </a:r>
-            <a:r>
-              <a:rPr lang="es-HN" sz="2800" b="1" dirty="0" smtClean="0">
-                <a:solidFill>
-                  <a:schemeClr val="tx1"/>
-                </a:solidFill>
-              </a:rPr>
-              <a:t>control </a:t>
-            </a:r>
-            <a:r>
-              <a:rPr lang="es-HN" sz="2800" dirty="0" smtClean="0">
-                <a:solidFill>
-                  <a:schemeClr val="tx1"/>
-                </a:solidFill>
-              </a:rPr>
-              <a:t>cuando </a:t>
-            </a:r>
-            <a:r>
-              <a:rPr lang="es-HN" sz="2800" dirty="0">
-                <a:solidFill>
-                  <a:schemeClr val="tx1"/>
-                </a:solidFill>
-              </a:rPr>
-              <a:t>el objeto está ocupado haciendo cosas.</a:t>
-            </a:r>
-            <a:endParaRPr lang="es-HN" sz="2800" dirty="0">
-              <a:solidFill>
-                <a:schemeClr val="tx1"/>
-              </a:solidFill>
-            </a:endParaRPr>
+              <a:t>cuando el objeto está ocupado haciendo cosas.</a:t>
+            </a:r>
           </a:p>
         </p:txBody>
       </p:sp>
@@ -8940,13 +8808,6 @@
   <p:clrMapOvr>
     <a:masterClrMapping/>
   </p:clrMapOvr>
-  <p:timing>
-    <p:tnLst>
-      <p:par>
-        <p:cTn id="1" dur="indefinite" restart="never" nodeType="tmRoot"/>
-      </p:par>
-    </p:tnLst>
-  </p:timing>
 </p:sld>
 </file>
 
@@ -9239,37 +9100,56 @@
                   <a:schemeClr val="tx1"/>
                 </a:solidFill>
               </a:rPr>
-              <a:t>que se envían entre las clases. Los mensajes </a:t>
-            </a:r>
-            <a:r>
-              <a:rPr lang="es-HN" sz="2800" dirty="0" smtClean="0">
-                <a:solidFill>
-                  <a:schemeClr val="tx1"/>
-                </a:solidFill>
-              </a:rPr>
-              <a:t>pertenecen a </a:t>
-            </a:r>
+              <a:t>que se envían entre las clases. Los mensajes pertenecen a la clase receptora. </a:t>
+            </a:r>
+          </a:p>
+          <a:p>
+            <a:pPr algn="just"/>
             <a:r>
               <a:rPr lang="es-HN" sz="2800" dirty="0">
                 <a:solidFill>
                   <a:schemeClr val="tx1"/>
                 </a:solidFill>
               </a:rPr>
-              <a:t>la clase </a:t>
-            </a:r>
-            <a:r>
-              <a:rPr lang="es-HN" sz="2800" dirty="0" smtClean="0">
-                <a:solidFill>
-                  <a:schemeClr val="tx1"/>
-                </a:solidFill>
-              </a:rPr>
-              <a:t>receptora. </a:t>
+              <a:t>Las </a:t>
+            </a:r>
+            <a:r>
+              <a:rPr lang="es-HN" sz="2800" u="sng" dirty="0">
+                <a:solidFill>
+                  <a:schemeClr val="tx1"/>
+                </a:solidFill>
+              </a:rPr>
+              <a:t>puntas de flecha sólidas </a:t>
+            </a:r>
+            <a:r>
+              <a:rPr lang="es-HN" sz="2800" dirty="0">
+                <a:solidFill>
+                  <a:schemeClr val="tx1"/>
+                </a:solidFill>
+              </a:rPr>
+              <a:t>representan </a:t>
+            </a:r>
+            <a:r>
+              <a:rPr lang="es-HN" sz="2800" b="1" dirty="0">
+                <a:solidFill>
+                  <a:schemeClr val="tx1"/>
+                </a:solidFill>
+              </a:rPr>
+              <a:t>llamadas sincrónicas</a:t>
+            </a:r>
+            <a:r>
+              <a:rPr lang="es-HN" sz="2800" dirty="0">
+                <a:solidFill>
+                  <a:schemeClr val="tx1"/>
+                </a:solidFill>
+              </a:rPr>
+              <a:t>, que son las más comunes. Éstas se utilizan cuando la clase emisora espera una respuesta de la clase receptora y el control se devuelve a la clase emisora cuando la clase receptora que recibe el mensaje termina de ejecutarse. </a:t>
             </a:r>
           </a:p>
           <a:p>
             <a:pPr algn="just"/>
             <a:r>
-              <a:rPr lang="es-HN" sz="2800" dirty="0" smtClean="0">
+              <a:rPr lang="es-HN" sz="2800" dirty="0">
                 <a:solidFill>
                   <a:schemeClr val="tx1"/>
                 </a:solidFill>
@@ -9282,23 +9162,15 @@
                   <a:schemeClr val="tx1"/>
                 </a:solidFill>
               </a:rPr>
-              <a:t>puntas de flecha </a:t>
-            </a:r>
-            <a:r>
-              <a:rPr lang="es-HN" sz="2800" u="sng" dirty="0" smtClean="0">
-                <a:solidFill>
-                  <a:schemeClr val="tx1"/>
-                </a:solidFill>
-              </a:rPr>
-              <a:t>sólidas </a:t>
-            </a:r>
-            <a:r>
-              <a:rPr lang="es-HN" sz="2800" dirty="0" smtClean="0">
-                <a:solidFill>
-                  <a:schemeClr val="tx1"/>
-                </a:solidFill>
-              </a:rPr>
-              <a:t>representan </a:t>
+              <a:t>medias puntas de flecha </a:t>
+            </a:r>
+            <a:r>
+              <a:rPr lang="es-HN" sz="2800" dirty="0">
+                <a:solidFill>
+                  <a:schemeClr val="tx1"/>
+                </a:solidFill>
+              </a:rPr>
+              <a:t>(o abiertas) representan </a:t>
             </a:r>
             <a:r>
               <a:rPr lang="es-HN" sz="2800" b="1" dirty="0">
@@ -9306,7 +9178,7 @@
                   <a:schemeClr val="tx1"/>
                 </a:solidFill>
               </a:rPr>
-              <a:t>llamadas sincrónicas</a:t>
+              <a:t>llamadas asíncronas</a:t>
             </a:r>
             <a:r>
               <a:rPr lang="es-HN" sz="2800" dirty="0">
@@ -9314,125 +9186,8 @@
                   <a:schemeClr val="tx1"/>
                 </a:solidFill>
               </a:rPr>
-              <a:t>, que son las más comunes. Éstas se utilizan cuando la clase emisora espera </a:t>
-            </a:r>
-            <a:r>
-              <a:rPr lang="es-HN" sz="2800" dirty="0" smtClean="0">
-                <a:solidFill>
-                  <a:schemeClr val="tx1"/>
-                </a:solidFill>
-              </a:rPr>
-              <a:t>una respuesta </a:t>
-            </a:r>
-            <a:r>
-              <a:rPr lang="es-HN" sz="2800" dirty="0">
-                <a:solidFill>
-                  <a:schemeClr val="tx1"/>
-                </a:solidFill>
-              </a:rPr>
-              <a:t>de la clase receptora y el control se devuelve a la clase emisora cuando la clase receptora que recibe </a:t>
-            </a:r>
-            <a:r>
-              <a:rPr lang="es-HN" sz="2800" dirty="0" smtClean="0">
-                <a:solidFill>
-                  <a:schemeClr val="tx1"/>
-                </a:solidFill>
-              </a:rPr>
-              <a:t>el mensaje </a:t>
-            </a:r>
-            <a:r>
-              <a:rPr lang="es-HN" sz="2800" dirty="0">
-                <a:solidFill>
-                  <a:schemeClr val="tx1"/>
-                </a:solidFill>
-              </a:rPr>
-              <a:t>termina de ejecutarse. </a:t>
-            </a:r>
-            <a:endParaRPr lang="es-HN" sz="2800" dirty="0" smtClean="0">
-              <a:solidFill>
-                <a:schemeClr val="tx1"/>
-              </a:solidFill>
-            </a:endParaRPr>
-          </a:p>
-          <a:p>
-            <a:pPr algn="just"/>
-            <a:r>
-              <a:rPr lang="es-HN" sz="2800" dirty="0" smtClean="0">
-                <a:solidFill>
-                  <a:schemeClr val="tx1"/>
-                </a:solidFill>
-              </a:rPr>
-              <a:t>Las </a:t>
-            </a:r>
-            <a:r>
-              <a:rPr lang="es-HN" sz="2800" u="sng" dirty="0">
-                <a:solidFill>
-                  <a:schemeClr val="tx1"/>
-                </a:solidFill>
-              </a:rPr>
-              <a:t>medias puntas de flecha </a:t>
-            </a:r>
-            <a:r>
-              <a:rPr lang="es-HN" sz="2800" dirty="0">
-                <a:solidFill>
-                  <a:schemeClr val="tx1"/>
-                </a:solidFill>
-              </a:rPr>
-              <a:t>(o abiertas) representan </a:t>
-            </a:r>
-            <a:r>
-              <a:rPr lang="es-HN" sz="2800" b="1" dirty="0">
-                <a:solidFill>
-                  <a:schemeClr val="tx1"/>
-                </a:solidFill>
-              </a:rPr>
-              <a:t>llamadas asíncronas</a:t>
-            </a:r>
-            <a:r>
-              <a:rPr lang="es-HN" sz="2800" dirty="0">
-                <a:solidFill>
-                  <a:schemeClr val="tx1"/>
-                </a:solidFill>
-              </a:rPr>
-              <a:t>: </a:t>
-            </a:r>
-            <a:r>
-              <a:rPr lang="es-HN" sz="2800" dirty="0" smtClean="0">
-                <a:solidFill>
-                  <a:schemeClr val="tx1"/>
-                </a:solidFill>
-              </a:rPr>
-              <a:t>aquellas que </a:t>
-            </a:r>
-            <a:r>
-              <a:rPr lang="es-HN" sz="2800" dirty="0">
-                <a:solidFill>
-                  <a:schemeClr val="tx1"/>
-                </a:solidFill>
-              </a:rPr>
-              <a:t>se envían sin esperar que la clase emisora las </a:t>
-            </a:r>
-            <a:r>
-              <a:rPr lang="es-HN" sz="2800" dirty="0" smtClean="0">
-                <a:solidFill>
-                  <a:schemeClr val="tx1"/>
-                </a:solidFill>
-              </a:rPr>
-              <a:t>devuelva</a:t>
-            </a:r>
-            <a:r>
-              <a:rPr lang="es-HN" sz="2800" dirty="0">
-                <a:solidFill>
-                  <a:schemeClr val="tx1"/>
-                </a:solidFill>
-              </a:rPr>
-              <a:t>. </a:t>
-            </a:r>
-            <a:endParaRPr lang="es-HN" sz="2800" dirty="0" smtClean="0">
-              <a:solidFill>
-                <a:schemeClr val="tx1"/>
-              </a:solidFill>
-            </a:endParaRPr>
+              <a:t>: aquellas que se envían sin esperar que la clase emisora las devuelva. </a:t>
+            </a:r>
           </a:p>
         </p:txBody>
       </p:sp>
@@ -9482,13 +9237,6 @@
   <p:clrMapOvr>
     <a:masterClrMapping/>
   </p:clrMapOvr>
-  <p:timing>
-    <p:tnLst>
-      <p:par>
-        <p:cTn id="1" dur="indefinite" restart="never" nodeType="tmRoot"/>
-      </p:par>
-    </p:tnLst>
-  </p:timing>
 </p:sld>
 </file>
 
@@ -9760,7 +9508,7 @@
           <a:p>
             <a:pPr algn="just"/>
             <a:r>
-              <a:rPr lang="es-HN" sz="2600" dirty="0" smtClean="0">
+              <a:rPr lang="es-HN" sz="2600" dirty="0">
                 <a:solidFill>
                   <a:schemeClr val="tx1"/>
                 </a:solidFill>
@@ -9781,20 +9529,12 @@
                   <a:schemeClr val="tx1"/>
                 </a:solidFill>
               </a:rPr>
-              <a:t> se muestra como una flecha, algunas veces con una línea punteada</a:t>
-            </a:r>
-            <a:r>
-              <a:rPr lang="es-HN" sz="2600" dirty="0" smtClean="0">
-                <a:solidFill>
-                  <a:schemeClr val="tx1"/>
-                </a:solidFill>
-              </a:rPr>
-              <a:t>. </a:t>
+              <a:t> se muestra como una flecha, algunas veces con una línea punteada. </a:t>
             </a:r>
           </a:p>
           <a:p>
             <a:pPr algn="just"/>
-            <a:endParaRPr lang="es-HN" sz="2600" dirty="0" smtClean="0">
+            <a:endParaRPr lang="es-HN" sz="2600" dirty="0">
               <a:solidFill>
                 <a:schemeClr val="tx1"/>
               </a:solidFill>
@@ -9803,7 +9543,7 @@
           <a:p>
             <a:pPr algn="just"/>
             <a:r>
-              <a:rPr lang="es-HN" sz="2600" dirty="0" smtClean="0">
+              <a:rPr lang="es-HN" sz="2600" dirty="0">
                 <a:solidFill>
                   <a:schemeClr val="tx1"/>
                 </a:solidFill>
@@ -9817,7 +9557,7 @@
               <a:buChar char="•"/>
             </a:pPr>
             <a:r>
-              <a:rPr lang="es-HN" sz="2000" dirty="0" err="1" smtClean="0">
+              <a:rPr lang="es-HN" sz="2000" dirty="0" err="1">
                 <a:solidFill>
                   <a:schemeClr val="tx1"/>
                 </a:solidFill>
@@ -9825,7 +9565,7 @@
               <a:t>nombreMensaje</a:t>
             </a:r>
             <a:r>
-              <a:rPr lang="es-HN" sz="2000" dirty="0" smtClean="0">
+              <a:rPr lang="es-HN" sz="2000" dirty="0">
                 <a:solidFill>
                   <a:schemeClr val="tx1"/>
                 </a:solidFill>
@@ -9839,7 +9579,7 @@
               <a:buChar char="•"/>
             </a:pPr>
             <a:r>
-              <a:rPr lang="es-HN" sz="2000" dirty="0" err="1" smtClean="0">
+              <a:rPr lang="es-HN" sz="2000" dirty="0" err="1">
                 <a:solidFill>
                   <a:schemeClr val="tx1"/>
                 </a:solidFill>
@@ -9847,7 +9587,7 @@
               <a:t>nombreMensaje</a:t>
             </a:r>
             <a:r>
-              <a:rPr lang="es-HN" sz="2000" dirty="0" smtClean="0">
+              <a:rPr lang="es-HN" sz="2000" dirty="0">
                 <a:solidFill>
                   <a:schemeClr val="tx1"/>
                 </a:solidFill>
@@ -9861,7 +9601,7 @@
               <a:buChar char="•"/>
             </a:pPr>
             <a:r>
-              <a:rPr lang="es-HN" sz="2000" dirty="0" err="1" smtClean="0">
+              <a:rPr lang="es-HN" sz="2000" dirty="0" err="1">
                 <a:solidFill>
                   <a:schemeClr val="tx1"/>
                 </a:solidFill>
@@ -9869,7 +9609,7 @@
               <a:t>nombreMensaje</a:t>
             </a:r>
             <a:r>
-              <a:rPr lang="es-HN" sz="2000" dirty="0" smtClean="0">
+              <a:rPr lang="es-HN" sz="2000" dirty="0">
                 <a:solidFill>
                   <a:schemeClr val="tx1"/>
                 </a:solidFill>
@@ -9877,7 +9617,7 @@
               <a:t>(</a:t>
             </a:r>
             <a:r>
-              <a:rPr lang="es-HN" sz="2000" dirty="0" err="1" smtClean="0">
+              <a:rPr lang="es-HN" sz="2000" dirty="0" err="1">
                 <a:solidFill>
                   <a:schemeClr val="tx1"/>
                 </a:solidFill>
@@ -9885,7 +9625,7 @@
               <a:t>tipoParámetro:nombreParámetro</a:t>
             </a:r>
             <a:r>
-              <a:rPr lang="es-HN" sz="2000" dirty="0" smtClean="0">
+              <a:rPr lang="es-HN" sz="2000" dirty="0">
                 <a:solidFill>
                   <a:schemeClr val="tx1"/>
                 </a:solidFill>
@@ -9893,7 +9633,7 @@
               <a:t>(</a:t>
             </a:r>
             <a:r>
-              <a:rPr lang="es-HN" sz="2000" dirty="0" err="1" smtClean="0">
+              <a:rPr lang="es-HN" sz="2000" dirty="0" err="1">
                 <a:solidFill>
                   <a:schemeClr val="tx1"/>
                 </a:solidFill>
@@ -9901,18 +9641,13 @@
               <a:t>valorPredeterminado</a:t>
             </a:r>
             <a:r>
-              <a:rPr lang="es-HN" sz="2000" dirty="0" smtClean="0">
+              <a:rPr lang="es-HN" sz="2000" dirty="0">
                 <a:solidFill>
                   <a:schemeClr val="tx1"/>
                 </a:solidFill>
               </a:rPr>
               <a:t>).</a:t>
             </a:r>
-            <a:endParaRPr lang="es-HN" sz="2000" dirty="0">
-              <a:solidFill>
-                <a:schemeClr val="tx1"/>
-              </a:solidFill>
-            </a:endParaRPr>
           </a:p>
         </p:txBody>
       </p:sp>
@@ -9956,13 +9691,6 @@
   <p:clrMapOvr>
     <a:masterClrMapping/>
   </p:clrMapOvr>
-  <p:timing>
-    <p:tnLst>
-      <p:par>
-        <p:cTn id="1" dur="indefinite" restart="never" nodeType="tmRoot"/>
-      </p:par>
-    </p:tnLst>
-  </p:timing>
 </p:sld>
 </file>
 
@@ -10334,13 +10062,6 @@
   <p:clrMapOvr>
     <a:masterClrMapping/>
   </p:clrMapOvr>
-  <p:timing>
-    <p:tnLst>
-      <p:par>
-        <p:cTn id="1" dur="indefinite" restart="never" nodeType="tmRoot"/>
-      </p:par>
-    </p:tnLst>
-  </p:timing>
 </p:sld>
 </file>
 
@@ -11251,6 +10972,164 @@
     <p:extLst>
       <p:ext uri="{BB962C8B-B14F-4D97-AF65-F5344CB8AC3E}">
         <p14:creationId xmlns:p14="http://schemas.microsoft.com/office/powerpoint/2010/main" val="1701435740"/>
+      </p:ext>
+    </p:extLst>
+  </p:cSld>
+  <p:clrMapOvr>
+    <a:masterClrMapping/>
+  </p:clrMapOvr>
+</p:sld>
+</file>
+
+<file path=ppt/slides/slide32.xml><?xml version="1.0" encoding="utf-8"?>
+<p:sld xmlns:a="http://schemas.openxmlformats.org/drawingml/2006/main" xmlns:r="http://schemas.openxmlformats.org/officeDocument/2006/relationships" xmlns:p="http://schemas.openxmlformats.org/presentationml/2006/main">
+  <p:cSld>
+    <p:spTree>
+      <p:nvGrpSpPr>
+        <p:cNvPr id="1" name=""/>
+        <p:cNvGrpSpPr/>
+        <p:nvPr/>
+      </p:nvGrpSpPr>
+      <p:grpSpPr>
+        <a:xfrm>
+          <a:off x="0" y="0"/>
+          <a:ext cx="0" cy="0"/>
+          <a:chOff x="0" y="0"/>
+          <a:chExt cx="0" cy="0"/>
+        </a:xfrm>
+      </p:grpSpPr>
+      <p:sp>
+        <p:nvSpPr>
+          <p:cNvPr id="2" name="Rectangle 1">
+            <a:extLst>
+              <a:ext uri="{FF2B5EF4-FFF2-40B4-BE49-F238E27FC236}">
+                <a16:creationId xmlns:a16="http://schemas.microsoft.com/office/drawing/2014/main" id="{F0ECCC20-ADAE-4062-8F34-76E55B807E16}"/>
+              </a:ext>
+            </a:extLst>
+          </p:cNvPr>
+          <p:cNvSpPr/>
+          <p:nvPr/>
+        </p:nvSpPr>
+        <p:spPr>
+          <a:xfrm>
+            <a:off x="927651" y="1158272"/>
+            <a:ext cx="10243931" cy="4154984"/>
+          </a:xfrm>
+          <a:prstGeom prst="rect">
+            <a:avLst/>
+          </a:prstGeom>
+        </p:spPr>
+        <p:txBody>
+          <a:bodyPr wrap="square">
+            <a:spAutoFit/>
+          </a:bodyPr>
+          <a:lstStyle/>
+          <a:p>
+            <a:pPr algn="just"/>
+            <a:r>
+              <a:rPr lang="es-HN" sz="2400" dirty="0" err="1">
+                <a:latin typeface="Calibri" panose="020F0502020204030204" pitchFamily="34" charset="0"/>
+              </a:rPr>
+              <a:t>PlayPlus</a:t>
+            </a:r>
+            <a:r>
+              <a:rPr lang="es-HN" sz="2400" dirty="0">
+                <a:latin typeface="Calibri" panose="020F0502020204030204" pitchFamily="34" charset="0"/>
+              </a:rPr>
+              <a:t> es una plataforma de música en línea. El sitio permite a los usuarios registrarse y crear una cuenta en el sitio. El usuario puede elegir entre una cuenta gratuita, plus o premium. </a:t>
+            </a:r>
+          </a:p>
+          <a:p>
+            <a:pPr algn="just"/>
+            <a:r>
+              <a:rPr lang="es-HN" sz="2400" dirty="0">
+                <a:latin typeface="Calibri" panose="020F0502020204030204" pitchFamily="34" charset="0"/>
+              </a:rPr>
+              <a:t>Cuando el usuario esta registrado, puede buscar y reproducir canciones de diferentes artistas y grupos musicales de diferentes géneros. El sitio muestra información de los artistas y su discografía completa (discos).  El usuario puede crear listas de reproducción, indicarles un nombre y agregar canciones en ella. Además de las listas, el usuario puede marcar artistas y discos de artistas como favoritos y buscarlos luego en su sección de favoritos. </a:t>
+            </a:r>
+          </a:p>
+          <a:p>
+            <a:pPr algn="just"/>
+            <a:r>
+              <a:rPr lang="es-HN" sz="2400" dirty="0">
+                <a:latin typeface="Calibri" panose="020F0502020204030204" pitchFamily="34" charset="0"/>
+              </a:rPr>
+              <a:t> </a:t>
+            </a:r>
+          </a:p>
+          <a:p>
+            <a:pPr algn="just"/>
+            <a:r>
+              <a:rPr lang="es-HN" sz="2400" b="1" dirty="0">
+                <a:latin typeface="Calibri" panose="020F0502020204030204" pitchFamily="34" charset="0"/>
+              </a:rPr>
+              <a:t>Identificar requerimientos,  realizar un diagrama de clases. </a:t>
+            </a:r>
+          </a:p>
+        </p:txBody>
+      </p:sp>
+      <p:sp>
+        <p:nvSpPr>
+          <p:cNvPr id="3" name="Title 1">
+            <a:extLst>
+              <a:ext uri="{FF2B5EF4-FFF2-40B4-BE49-F238E27FC236}">
+                <a16:creationId xmlns:a16="http://schemas.microsoft.com/office/drawing/2014/main" id="{F5EC89F3-9E65-4176-AA78-9F9B6A1A5A7A}"/>
+              </a:ext>
+            </a:extLst>
+          </p:cNvPr>
+          <p:cNvSpPr txBox="1">
+            <a:spLocks/>
+          </p:cNvSpPr>
+          <p:nvPr/>
+        </p:nvSpPr>
+        <p:spPr>
+          <a:xfrm>
+            <a:off x="838200" y="388800"/>
+            <a:ext cx="10515600" cy="883410"/>
+          </a:xfrm>
+          <a:prstGeom prst="rect">
+            <a:avLst/>
+          </a:prstGeom>
+        </p:spPr>
+        <p:txBody>
+          <a:bodyPr>
+            <a:normAutofit/>
+          </a:bodyPr>
+          <a:lstStyle>
+            <a:lvl1pPr algn="l" defTabSz="914400" rtl="0" eaLnBrk="1" latinLnBrk="0" hangingPunct="1">
+              <a:lnSpc>
+                <a:spcPct val="90000"/>
+              </a:lnSpc>
+              <a:spcBef>
+                <a:spcPct val="0"/>
+              </a:spcBef>
+              <a:buNone/>
+              <a:defRPr sz="4400" kern="1200">
+                <a:solidFill>
+                  <a:schemeClr val="tx1"/>
+                </a:solidFill>
+                <a:latin typeface="+mj-lt"/>
+                <a:ea typeface="+mj-ea"/>
+                <a:cs typeface="+mj-cs"/>
+              </a:defRPr>
+            </a:lvl1pPr>
+          </a:lstStyle>
+          <a:p>
+            <a:r>
+              <a:rPr lang="es-HN" sz="4800" b="1" dirty="0">
+                <a:solidFill>
+                  <a:schemeClr val="accent1"/>
+                </a:solidFill>
+              </a:rPr>
+              <a:t>Ejercicio #2:</a:t>
+            </a:r>
+          </a:p>
+        </p:txBody>
+      </p:sp>
+    </p:spTree>
+    <p:extLst>
+      <p:ext uri="{BB962C8B-B14F-4D97-AF65-F5344CB8AC3E}">
+        <p14:creationId xmlns:p14="http://schemas.microsoft.com/office/powerpoint/2010/main" val="3696877859"/>
       </p:ext>
     </p:extLst>
   </p:cSld>
